--- a/Slides/Razor_09.pptx
+++ b/Slides/Razor_09.pptx
@@ -286,7 +286,7 @@
           <a:p>
             <a:fld id="{26C87062-192D-4BD9-8A1D-8F41B00E23B3}" type="datetimeFigureOut">
               <a:rPr lang="en-US" smtClean="0"/>
-              <a:t>1/18/2022</a:t>
+              <a:t>2/9/2022</a:t>
             </a:fld>
             <a:endParaRPr lang="en-US"/>
           </a:p>
@@ -19292,7 +19292,7 @@
           <a:p>
             <a:fld id="{FC69B7DB-8367-4EA5-BD31-DC3A1C807884}" type="datetimeFigureOut">
               <a:rPr lang="en-US" smtClean="0"/>
-              <a:t>1/18/2022</a:t>
+              <a:t>2/9/2022</a:t>
             </a:fld>
             <a:endParaRPr lang="en-US" dirty="0"/>
           </a:p>
@@ -19669,7 +19669,7 @@
           <a:p>
             <a:fld id="{FC69B7DB-8367-4EA5-BD31-DC3A1C807884}" type="datetimeFigureOut">
               <a:rPr lang="en-US" smtClean="0"/>
-              <a:t>1/18/2022</a:t>
+              <a:t>2/9/2022</a:t>
             </a:fld>
             <a:endParaRPr lang="en-US" dirty="0"/>
           </a:p>
@@ -20105,7 +20105,7 @@
           <a:p>
             <a:fld id="{FC69B7DB-8367-4EA5-BD31-DC3A1C807884}" type="datetimeFigureOut">
               <a:rPr lang="en-US" smtClean="0"/>
-              <a:t>1/18/2022</a:t>
+              <a:t>2/9/2022</a:t>
             </a:fld>
             <a:endParaRPr lang="en-US" dirty="0"/>
           </a:p>
@@ -20675,7 +20675,7 @@
           <a:p>
             <a:fld id="{FC69B7DB-8367-4EA5-BD31-DC3A1C807884}" type="datetimeFigureOut">
               <a:rPr lang="en-US" smtClean="0"/>
-              <a:t>1/18/2022</a:t>
+              <a:t>2/9/2022</a:t>
             </a:fld>
             <a:endParaRPr lang="en-US" dirty="0"/>
           </a:p>
@@ -20941,7 +20941,7 @@
           <a:p>
             <a:fld id="{FC69B7DB-8367-4EA5-BD31-DC3A1C807884}" type="datetimeFigureOut">
               <a:rPr lang="en-US" smtClean="0"/>
-              <a:t>1/18/2022</a:t>
+              <a:t>2/9/2022</a:t>
             </a:fld>
             <a:endParaRPr lang="en-US" dirty="0"/>
           </a:p>
@@ -21406,7 +21406,7 @@
           <a:p>
             <a:fld id="{FC69B7DB-8367-4EA5-BD31-DC3A1C807884}" type="datetimeFigureOut">
               <a:rPr lang="en-US" smtClean="0"/>
-              <a:t>1/18/2022</a:t>
+              <a:t>2/9/2022</a:t>
             </a:fld>
             <a:endParaRPr lang="en-US" dirty="0"/>
           </a:p>
@@ -21854,7 +21854,7 @@
           <a:p>
             <a:fld id="{FC69B7DB-8367-4EA5-BD31-DC3A1C807884}" type="datetimeFigureOut">
               <a:rPr lang="en-US" smtClean="0"/>
-              <a:t>1/18/2022</a:t>
+              <a:t>2/9/2022</a:t>
             </a:fld>
             <a:endParaRPr lang="en-US" dirty="0"/>
           </a:p>
@@ -22298,7 +22298,7 @@
           <a:p>
             <a:fld id="{FC69B7DB-8367-4EA5-BD31-DC3A1C807884}" type="datetimeFigureOut">
               <a:rPr lang="en-US" smtClean="0"/>
-              <a:t>1/18/2022</a:t>
+              <a:t>2/9/2022</a:t>
             </a:fld>
             <a:endParaRPr lang="en-US" dirty="0"/>
           </a:p>
@@ -22492,7 +22492,7 @@
           <a:p>
             <a:fld id="{FC69B7DB-8367-4EA5-BD31-DC3A1C807884}" type="datetimeFigureOut">
               <a:rPr lang="en-US" smtClean="0"/>
-              <a:t>1/18/2022</a:t>
+              <a:t>2/9/2022</a:t>
             </a:fld>
             <a:endParaRPr lang="en-US" dirty="0"/>
           </a:p>
